--- a/myppt.pptx
+++ b/myppt.pptx
@@ -252,7 +252,7 @@
             <a:fld id="{CE3110EA-6548-4EF6-B0A9-8F847AEECEDD}" type="datetimeFigureOut">
               <a:rPr lang="fr-FR" smtClean="0"/>
               <a:pPr/>
-              <a:t>26/11/2015</a:t>
+              <a:t>15/03/2016</a:t>
             </a:fld>
             <a:endParaRPr lang="fr-FR"/>
           </a:p>
@@ -323,6 +323,624 @@
 
 <file path=ppt/slideLayouts/slideLayout10.xml><?xml version="1.0" encoding="utf-8"?>
 <p:sldLayout xmlns:a="http://schemas.openxmlformats.org/drawingml/2006/main" xmlns:r="http://schemas.openxmlformats.org/officeDocument/2006/relationships" xmlns:p="http://schemas.openxmlformats.org/presentationml/2006/main" preserve="1" userDrawn="1">
+  <p:cSld name="Content">
+    <p:spTree>
+      <p:nvGrpSpPr>
+        <p:cNvPr id="1" name=""/>
+        <p:cNvGrpSpPr/>
+        <p:nvPr/>
+      </p:nvGrpSpPr>
+      <p:grpSpPr>
+        <a:xfrm>
+          <a:off x="0" y="0"/>
+          <a:ext cx="0" cy="0"/>
+          <a:chOff x="0" y="0"/>
+          <a:chExt cx="0" cy="0"/>
+        </a:xfrm>
+      </p:grpSpPr>
+      <p:sp>
+        <p:nvSpPr>
+          <p:cNvPr id="3" name="Espace réservé de la date 2"/>
+          <p:cNvSpPr>
+            <a:spLocks noGrp="1"/>
+          </p:cNvSpPr>
+          <p:nvPr>
+            <p:ph type="dt" sz="half" idx="10"/>
+          </p:nvPr>
+        </p:nvSpPr>
+        <p:spPr/>
+        <p:txBody>
+          <a:bodyPr/>
+          <a:lstStyle/>
+          <a:p>
+            <a:fld id="{CE3110EA-6548-4EF6-B0A9-8F847AEECEDD}" type="datetimeFigureOut">
+              <a:rPr lang="fr-FR" smtClean="0"/>
+              <a:pPr/>
+              <a:t>15/03/2016</a:t>
+            </a:fld>
+            <a:endParaRPr lang="fr-FR"/>
+          </a:p>
+        </p:txBody>
+      </p:sp>
+      <p:sp>
+        <p:nvSpPr>
+          <p:cNvPr id="4" name="Espace réservé du pied de page 3"/>
+          <p:cNvSpPr>
+            <a:spLocks noGrp="1"/>
+          </p:cNvSpPr>
+          <p:nvPr>
+            <p:ph type="ftr" sz="quarter" idx="11"/>
+          </p:nvPr>
+        </p:nvSpPr>
+        <p:spPr/>
+        <p:txBody>
+          <a:bodyPr/>
+          <a:lstStyle/>
+          <a:p>
+            <a:endParaRPr lang="fr-FR"/>
+          </a:p>
+        </p:txBody>
+      </p:sp>
+      <p:sp>
+        <p:nvSpPr>
+          <p:cNvPr id="5" name="Espace réservé du numéro de diapositive 4"/>
+          <p:cNvSpPr>
+            <a:spLocks noGrp="1"/>
+          </p:cNvSpPr>
+          <p:nvPr>
+            <p:ph type="sldNum" sz="quarter" idx="12"/>
+          </p:nvPr>
+        </p:nvSpPr>
+        <p:spPr/>
+        <p:txBody>
+          <a:bodyPr/>
+          <a:lstStyle/>
+          <a:p>
+            <a:fld id="{C47AABF0-D73A-43C1-84CC-8A30B6535388}" type="slidenum">
+              <a:rPr lang="fr-FR" smtClean="0"/>
+              <a:pPr/>
+              <a:t>‹#›</a:t>
+            </a:fld>
+            <a:endParaRPr lang="fr-FR"/>
+          </a:p>
+        </p:txBody>
+      </p:sp>
+      <p:sp>
+        <p:nvSpPr>
+          <p:cNvPr id="7" name="내용 개체 틀 6"/>
+          <p:cNvSpPr>
+            <a:spLocks noGrp="1"/>
+          </p:cNvSpPr>
+          <p:nvPr>
+            <p:ph sz="quarter" idx="13"/>
+          </p:nvPr>
+        </p:nvSpPr>
+        <p:spPr>
+          <a:xfrm>
+            <a:off x="411956" y="317501"/>
+            <a:ext cx="8387954" cy="5929313"/>
+          </a:xfrm>
+        </p:spPr>
+        <p:txBody>
+          <a:bodyPr/>
+          <a:lstStyle>
+            <a:lvl1pPr marL="0" indent="0">
+              <a:buFontTx/>
+              <a:buNone/>
+              <a:defRPr/>
+            </a:lvl1pPr>
+            <a:lvl2pPr marL="342900" indent="0">
+              <a:buFontTx/>
+              <a:buNone/>
+              <a:defRPr/>
+            </a:lvl2pPr>
+            <a:lvl3pPr marL="685800" indent="0">
+              <a:buFontTx/>
+              <a:buNone/>
+              <a:defRPr/>
+            </a:lvl3pPr>
+            <a:lvl4pPr marL="1028700" indent="0">
+              <a:buFontTx/>
+              <a:buNone/>
+              <a:defRPr/>
+            </a:lvl4pPr>
+            <a:lvl5pPr marL="1371600" indent="0">
+              <a:buFontTx/>
+              <a:buNone/>
+              <a:defRPr/>
+            </a:lvl5pPr>
+          </a:lstStyle>
+          <a:p>
+            <a:pPr lvl="0"/>
+            <a:r>
+              <a:rPr kumimoji="1" lang="ko-KR" altLang="en-US" smtClean="0"/>
+              <a:t>마스터 텍스트 스타일을 편집하려면 클릭</a:t>
+            </a:r>
+          </a:p>
+          <a:p>
+            <a:pPr lvl="1"/>
+            <a:r>
+              <a:rPr kumimoji="1" lang="ko-KR" altLang="en-US" smtClean="0"/>
+              <a:t>두 번째 수준</a:t>
+            </a:r>
+          </a:p>
+          <a:p>
+            <a:pPr lvl="2"/>
+            <a:r>
+              <a:rPr kumimoji="1" lang="ko-KR" altLang="en-US" smtClean="0"/>
+              <a:t>세 번째 수준</a:t>
+            </a:r>
+          </a:p>
+          <a:p>
+            <a:pPr lvl="3"/>
+            <a:r>
+              <a:rPr kumimoji="1" lang="ko-KR" altLang="en-US" smtClean="0"/>
+              <a:t>네 번째 수준</a:t>
+            </a:r>
+          </a:p>
+          <a:p>
+            <a:pPr lvl="4"/>
+            <a:r>
+              <a:rPr kumimoji="1" lang="ko-KR" altLang="en-US" smtClean="0"/>
+              <a:t>다섯 번째 수준</a:t>
+            </a:r>
+            <a:endParaRPr kumimoji="1" lang="ko-KR" altLang="en-US" dirty="0"/>
+          </a:p>
+        </p:txBody>
+      </p:sp>
+    </p:spTree>
+    <p:extLst>
+      <p:ext uri="{BB962C8B-B14F-4D97-AF65-F5344CB8AC3E}">
+        <p14:creationId xmlns:p14="http://schemas.microsoft.com/office/powerpoint/2010/main" val="410471301"/>
+      </p:ext>
+    </p:extLst>
+  </p:cSld>
+  <p:clrMapOvr>
+    <a:masterClrMapping/>
+  </p:clrMapOvr>
+  <p:timing>
+    <p:tnLst>
+      <p:par>
+        <p:cTn id="1" dur="indefinite" restart="never" nodeType="tmRoot"/>
+      </p:par>
+    </p:tnLst>
+  </p:timing>
+</p:sldLayout>
+</file>
+
+<file path=ppt/slideLayouts/slideLayout11.xml><?xml version="1.0" encoding="utf-8"?>
+<p:sldLayout xmlns:a="http://schemas.openxmlformats.org/drawingml/2006/main" xmlns:r="http://schemas.openxmlformats.org/officeDocument/2006/relationships" xmlns:p="http://schemas.openxmlformats.org/presentationml/2006/main" preserve="1" userDrawn="1">
+  <p:cSld name="Content2">
+    <p:spTree>
+      <p:nvGrpSpPr>
+        <p:cNvPr id="1" name=""/>
+        <p:cNvGrpSpPr/>
+        <p:nvPr/>
+      </p:nvGrpSpPr>
+      <p:grpSpPr>
+        <a:xfrm>
+          <a:off x="0" y="0"/>
+          <a:ext cx="0" cy="0"/>
+          <a:chOff x="0" y="0"/>
+          <a:chExt cx="0" cy="0"/>
+        </a:xfrm>
+      </p:grpSpPr>
+      <p:sp>
+        <p:nvSpPr>
+          <p:cNvPr id="7" name="내용 개체 틀 6"/>
+          <p:cNvSpPr>
+            <a:spLocks noGrp="1"/>
+          </p:cNvSpPr>
+          <p:nvPr>
+            <p:ph sz="quarter" idx="13"/>
+          </p:nvPr>
+        </p:nvSpPr>
+        <p:spPr>
+          <a:xfrm>
+            <a:off x="1595864" y="182880"/>
+            <a:ext cx="6120000" cy="6448925"/>
+          </a:xfrm>
+        </p:spPr>
+        <p:txBody>
+          <a:bodyPr/>
+          <a:lstStyle>
+            <a:lvl1pPr marL="0" indent="0">
+              <a:buFontTx/>
+              <a:buNone/>
+              <a:defRPr/>
+            </a:lvl1pPr>
+            <a:lvl2pPr marL="342900" indent="0">
+              <a:buFontTx/>
+              <a:buNone/>
+              <a:defRPr/>
+            </a:lvl2pPr>
+            <a:lvl3pPr marL="685800" indent="0">
+              <a:buFontTx/>
+              <a:buNone/>
+              <a:defRPr/>
+            </a:lvl3pPr>
+            <a:lvl4pPr marL="1028700" indent="0">
+              <a:buFontTx/>
+              <a:buNone/>
+              <a:defRPr/>
+            </a:lvl4pPr>
+            <a:lvl5pPr marL="1371600" indent="0">
+              <a:buFontTx/>
+              <a:buNone/>
+              <a:defRPr/>
+            </a:lvl5pPr>
+          </a:lstStyle>
+          <a:p>
+            <a:pPr lvl="0"/>
+            <a:r>
+              <a:rPr kumimoji="1" lang="ko-KR" altLang="en-US" smtClean="0"/>
+              <a:t>마스터 텍스트 스타일을 편집하려면 클릭</a:t>
+            </a:r>
+          </a:p>
+          <a:p>
+            <a:pPr lvl="1"/>
+            <a:r>
+              <a:rPr kumimoji="1" lang="ko-KR" altLang="en-US" smtClean="0"/>
+              <a:t>두 번째 수준</a:t>
+            </a:r>
+          </a:p>
+          <a:p>
+            <a:pPr lvl="2"/>
+            <a:r>
+              <a:rPr kumimoji="1" lang="ko-KR" altLang="en-US" smtClean="0"/>
+              <a:t>세 번째 수준</a:t>
+            </a:r>
+          </a:p>
+          <a:p>
+            <a:pPr lvl="3"/>
+            <a:r>
+              <a:rPr kumimoji="1" lang="ko-KR" altLang="en-US" smtClean="0"/>
+              <a:t>네 번째 수준</a:t>
+            </a:r>
+          </a:p>
+          <a:p>
+            <a:pPr lvl="4"/>
+            <a:r>
+              <a:rPr kumimoji="1" lang="ko-KR" altLang="en-US" smtClean="0"/>
+              <a:t>다섯 번째 수준</a:t>
+            </a:r>
+            <a:endParaRPr kumimoji="1" lang="ko-KR" altLang="en-US" dirty="0"/>
+          </a:p>
+        </p:txBody>
+      </p:sp>
+    </p:spTree>
+    <p:extLst>
+      <p:ext uri="{BB962C8B-B14F-4D97-AF65-F5344CB8AC3E}">
+        <p14:creationId xmlns:p14="http://schemas.microsoft.com/office/powerpoint/2010/main" val="1062489236"/>
+      </p:ext>
+    </p:extLst>
+  </p:cSld>
+  <p:clrMapOvr>
+    <a:masterClrMapping/>
+  </p:clrMapOvr>
+  <p:timing>
+    <p:tnLst>
+      <p:par>
+        <p:cTn id="1" dur="indefinite" restart="never" nodeType="tmRoot"/>
+      </p:par>
+    </p:tnLst>
+  </p:timing>
+</p:sldLayout>
+</file>
+
+<file path=ppt/slideLayouts/slideLayout12.xml><?xml version="1.0" encoding="utf-8"?>
+<p:sldLayout xmlns:a="http://schemas.openxmlformats.org/drawingml/2006/main" xmlns:r="http://schemas.openxmlformats.org/officeDocument/2006/relationships" xmlns:p="http://schemas.openxmlformats.org/presentationml/2006/main" preserve="1" userDrawn="1">
+  <p:cSld name="Four contents">
+    <p:spTree>
+      <p:nvGrpSpPr>
+        <p:cNvPr id="1" name=""/>
+        <p:cNvGrpSpPr/>
+        <p:nvPr/>
+      </p:nvGrpSpPr>
+      <p:grpSpPr>
+        <a:xfrm>
+          <a:off x="0" y="0"/>
+          <a:ext cx="0" cy="0"/>
+          <a:chOff x="0" y="0"/>
+          <a:chExt cx="0" cy="0"/>
+        </a:xfrm>
+      </p:grpSpPr>
+      <p:sp>
+        <p:nvSpPr>
+          <p:cNvPr id="7" name="내용 개체 틀 6"/>
+          <p:cNvSpPr>
+            <a:spLocks noGrp="1"/>
+          </p:cNvSpPr>
+          <p:nvPr>
+            <p:ph sz="quarter" idx="10"/>
+          </p:nvPr>
+        </p:nvSpPr>
+        <p:spPr>
+          <a:xfrm>
+            <a:off x="628650" y="1848186"/>
+            <a:ext cx="3818222" cy="4147673"/>
+          </a:xfrm>
+        </p:spPr>
+        <p:txBody>
+          <a:bodyPr/>
+          <a:lstStyle>
+            <a:lvl1pPr marL="0" indent="0">
+              <a:buFontTx/>
+              <a:buNone/>
+              <a:defRPr/>
+            </a:lvl1pPr>
+            <a:lvl2pPr marL="342900" indent="0">
+              <a:buFontTx/>
+              <a:buNone/>
+              <a:defRPr/>
+            </a:lvl2pPr>
+            <a:lvl3pPr marL="685800" indent="0">
+              <a:buFontTx/>
+              <a:buNone/>
+              <a:defRPr/>
+            </a:lvl3pPr>
+            <a:lvl4pPr marL="1028700" indent="0">
+              <a:buFontTx/>
+              <a:buNone/>
+              <a:defRPr/>
+            </a:lvl4pPr>
+            <a:lvl5pPr marL="1371600" indent="0">
+              <a:buFontTx/>
+              <a:buNone/>
+              <a:defRPr/>
+            </a:lvl5pPr>
+          </a:lstStyle>
+          <a:p>
+            <a:pPr lvl="0"/>
+            <a:r>
+              <a:rPr kumimoji="1" lang="ko-KR" altLang="en-US" smtClean="0"/>
+              <a:t>마스터 텍스트 스타일을 편집하려면 클릭</a:t>
+            </a:r>
+          </a:p>
+          <a:p>
+            <a:pPr lvl="1"/>
+            <a:r>
+              <a:rPr kumimoji="1" lang="ko-KR" altLang="en-US" smtClean="0"/>
+              <a:t>두 번째 수준</a:t>
+            </a:r>
+          </a:p>
+          <a:p>
+            <a:pPr lvl="2"/>
+            <a:r>
+              <a:rPr kumimoji="1" lang="ko-KR" altLang="en-US" smtClean="0"/>
+              <a:t>세 번째 수준</a:t>
+            </a:r>
+          </a:p>
+          <a:p>
+            <a:pPr lvl="3"/>
+            <a:r>
+              <a:rPr kumimoji="1" lang="ko-KR" altLang="en-US" smtClean="0"/>
+              <a:t>네 번째 수준</a:t>
+            </a:r>
+          </a:p>
+          <a:p>
+            <a:pPr lvl="4"/>
+            <a:r>
+              <a:rPr kumimoji="1" lang="ko-KR" altLang="en-US" smtClean="0"/>
+              <a:t>다섯 번째 수준</a:t>
+            </a:r>
+            <a:endParaRPr kumimoji="1" lang="ko-KR" altLang="en-US" dirty="0"/>
+          </a:p>
+        </p:txBody>
+      </p:sp>
+      <p:sp>
+        <p:nvSpPr>
+          <p:cNvPr id="9" name="내용 개체 틀 8"/>
+          <p:cNvSpPr>
+            <a:spLocks noGrp="1"/>
+          </p:cNvSpPr>
+          <p:nvPr>
+            <p:ph sz="quarter" idx="11"/>
+          </p:nvPr>
+        </p:nvSpPr>
+        <p:spPr>
+          <a:xfrm>
+            <a:off x="4721191" y="1848185"/>
+            <a:ext cx="3794159" cy="4148354"/>
+          </a:xfrm>
+        </p:spPr>
+        <p:txBody>
+          <a:bodyPr/>
+          <a:lstStyle>
+            <a:lvl1pPr marL="0" indent="0">
+              <a:buFontTx/>
+              <a:buNone/>
+              <a:defRPr/>
+            </a:lvl1pPr>
+            <a:lvl2pPr marL="342900" indent="0">
+              <a:buFontTx/>
+              <a:buNone/>
+              <a:defRPr/>
+            </a:lvl2pPr>
+            <a:lvl3pPr marL="685800" indent="0">
+              <a:buFontTx/>
+              <a:buNone/>
+              <a:defRPr/>
+            </a:lvl3pPr>
+            <a:lvl4pPr marL="1028700" indent="0">
+              <a:buFontTx/>
+              <a:buNone/>
+              <a:defRPr/>
+            </a:lvl4pPr>
+            <a:lvl5pPr marL="1371600" indent="0">
+              <a:buFontTx/>
+              <a:buNone/>
+              <a:defRPr/>
+            </a:lvl5pPr>
+          </a:lstStyle>
+          <a:p>
+            <a:pPr lvl="0"/>
+            <a:r>
+              <a:rPr kumimoji="1" lang="ko-KR" altLang="en-US" smtClean="0"/>
+              <a:t>마스터 텍스트 스타일을 편집하려면 클릭</a:t>
+            </a:r>
+          </a:p>
+          <a:p>
+            <a:pPr lvl="1"/>
+            <a:r>
+              <a:rPr kumimoji="1" lang="ko-KR" altLang="en-US" smtClean="0"/>
+              <a:t>두 번째 수준</a:t>
+            </a:r>
+          </a:p>
+          <a:p>
+            <a:pPr lvl="2"/>
+            <a:r>
+              <a:rPr kumimoji="1" lang="ko-KR" altLang="en-US" smtClean="0"/>
+              <a:t>세 번째 수준</a:t>
+            </a:r>
+          </a:p>
+          <a:p>
+            <a:pPr lvl="3"/>
+            <a:r>
+              <a:rPr kumimoji="1" lang="ko-KR" altLang="en-US" smtClean="0"/>
+              <a:t>네 번째 수준</a:t>
+            </a:r>
+          </a:p>
+          <a:p>
+            <a:pPr lvl="4"/>
+            <a:r>
+              <a:rPr kumimoji="1" lang="ko-KR" altLang="en-US" smtClean="0"/>
+              <a:t>다섯 번째 수준</a:t>
+            </a:r>
+            <a:endParaRPr kumimoji="1" lang="ko-KR" altLang="en-US" dirty="0"/>
+          </a:p>
+        </p:txBody>
+      </p:sp>
+      <p:sp>
+        <p:nvSpPr>
+          <p:cNvPr id="13" name="내용 개체 틀 12"/>
+          <p:cNvSpPr>
+            <a:spLocks noGrp="1"/>
+          </p:cNvSpPr>
+          <p:nvPr>
+            <p:ph sz="quarter" idx="12"/>
+          </p:nvPr>
+        </p:nvSpPr>
+        <p:spPr>
+          <a:xfrm>
+            <a:off x="628651" y="365126"/>
+            <a:ext cx="3818222" cy="1300163"/>
+          </a:xfrm>
+        </p:spPr>
+        <p:txBody>
+          <a:bodyPr/>
+          <a:lstStyle>
+            <a:lvl1pPr marL="0" indent="0">
+              <a:buFontTx/>
+              <a:buNone/>
+              <a:defRPr/>
+            </a:lvl1pPr>
+            <a:lvl2pPr marL="342900" indent="0">
+              <a:buFontTx/>
+              <a:buNone/>
+              <a:defRPr/>
+            </a:lvl2pPr>
+            <a:lvl3pPr marL="685800" indent="0">
+              <a:buFontTx/>
+              <a:buNone/>
+              <a:defRPr/>
+            </a:lvl3pPr>
+            <a:lvl4pPr marL="1028700" indent="0">
+              <a:buFontTx/>
+              <a:buNone/>
+              <a:defRPr/>
+            </a:lvl4pPr>
+            <a:lvl5pPr marL="1371600" indent="0">
+              <a:buFontTx/>
+              <a:buNone/>
+              <a:defRPr/>
+            </a:lvl5pPr>
+          </a:lstStyle>
+          <a:p>
+            <a:pPr lvl="0"/>
+            <a:r>
+              <a:rPr kumimoji="1" lang="ko-KR" altLang="en-US" smtClean="0"/>
+              <a:t>마스터 텍스트 스타일을 편집하려면 클릭</a:t>
+            </a:r>
+          </a:p>
+        </p:txBody>
+      </p:sp>
+      <p:sp>
+        <p:nvSpPr>
+          <p:cNvPr id="14" name="내용 개체 틀 12"/>
+          <p:cNvSpPr>
+            <a:spLocks noGrp="1"/>
+          </p:cNvSpPr>
+          <p:nvPr>
+            <p:ph sz="quarter" idx="13"/>
+          </p:nvPr>
+        </p:nvSpPr>
+        <p:spPr>
+          <a:xfrm>
+            <a:off x="4721191" y="365126"/>
+            <a:ext cx="3818222" cy="1300163"/>
+          </a:xfrm>
+        </p:spPr>
+        <p:txBody>
+          <a:bodyPr/>
+          <a:lstStyle>
+            <a:lvl1pPr marL="0" indent="0">
+              <a:buFontTx/>
+              <a:buNone/>
+              <a:defRPr/>
+            </a:lvl1pPr>
+            <a:lvl2pPr marL="342900" indent="0">
+              <a:buFontTx/>
+              <a:buNone/>
+              <a:defRPr/>
+            </a:lvl2pPr>
+            <a:lvl3pPr marL="685800" indent="0">
+              <a:buFontTx/>
+              <a:buNone/>
+              <a:defRPr/>
+            </a:lvl3pPr>
+            <a:lvl4pPr marL="1028700" indent="0">
+              <a:buFontTx/>
+              <a:buNone/>
+              <a:defRPr/>
+            </a:lvl4pPr>
+            <a:lvl5pPr marL="1371600" indent="0">
+              <a:buFontTx/>
+              <a:buNone/>
+              <a:defRPr/>
+            </a:lvl5pPr>
+          </a:lstStyle>
+          <a:p>
+            <a:pPr lvl="0"/>
+            <a:r>
+              <a:rPr kumimoji="1" lang="ko-KR" altLang="en-US" smtClean="0"/>
+              <a:t>마스터 텍스트 스타일을 편집하려면 클릭</a:t>
+            </a:r>
+          </a:p>
+        </p:txBody>
+      </p:sp>
+    </p:spTree>
+    <p:extLst>
+      <p:ext uri="{BB962C8B-B14F-4D97-AF65-F5344CB8AC3E}">
+        <p14:creationId xmlns:p14="http://schemas.microsoft.com/office/powerpoint/2010/main" val="10204828"/>
+      </p:ext>
+    </p:extLst>
+  </p:cSld>
+  <p:clrMapOvr>
+    <a:masterClrMapping/>
+  </p:clrMapOvr>
+  <p:timing>
+    <p:tnLst>
+      <p:par>
+        <p:cTn id="1" dur="indefinite" restart="never" nodeType="tmRoot"/>
+      </p:par>
+    </p:tnLst>
+  </p:timing>
+</p:sldLayout>
+</file>
+
+<file path=ppt/slideLayouts/slideLayout13.xml><?xml version="1.0" encoding="utf-8"?>
+<p:sldLayout xmlns:a="http://schemas.openxmlformats.org/drawingml/2006/main" xmlns:r="http://schemas.openxmlformats.org/officeDocument/2006/relationships" xmlns:p="http://schemas.openxmlformats.org/presentationml/2006/main" preserve="1" userDrawn="1">
   <p:cSld name="Two One">
     <p:spTree>
       <p:nvGrpSpPr>
@@ -578,7 +1196,7 @@
 </p:sldLayout>
 </file>
 
-<file path=ppt/slideLayouts/slideLayout11.xml><?xml version="1.0" encoding="utf-8"?>
+<file path=ppt/slideLayouts/slideLayout14.xml><?xml version="1.0" encoding="utf-8"?>
 <p:sldLayout xmlns:a="http://schemas.openxmlformats.org/drawingml/2006/main" xmlns:r="http://schemas.openxmlformats.org/officeDocument/2006/relationships" xmlns:p="http://schemas.openxmlformats.org/presentationml/2006/main" type="objTx" preserve="1">
   <p:cSld name="Content with Caption">
     <p:spTree>
@@ -795,7 +1413,7 @@
             <a:fld id="{CE3110EA-6548-4EF6-B0A9-8F847AEECEDD}" type="datetimeFigureOut">
               <a:rPr lang="fr-FR" smtClean="0"/>
               <a:pPr/>
-              <a:t>26/11/2015</a:t>
+              <a:t>15/03/2016</a:t>
             </a:fld>
             <a:endParaRPr lang="fr-FR"/>
           </a:p>
@@ -979,7 +1597,7 @@
             <a:fld id="{CE3110EA-6548-4EF6-B0A9-8F847AEECEDD}" type="datetimeFigureOut">
               <a:rPr lang="fr-FR" smtClean="0"/>
               <a:pPr/>
-              <a:t>26/11/2015</a:t>
+              <a:t>15/03/2016</a:t>
             </a:fld>
             <a:endParaRPr lang="fr-FR"/>
           </a:p>
@@ -1075,33 +1693,38 @@
             <p:ph type="title"/>
           </p:nvPr>
         </p:nvSpPr>
-        <p:spPr/>
-        <p:txBody>
-          <a:bodyPr/>
-          <a:lstStyle/>
-          <a:p>
-            <a:r>
-              <a:rPr lang="ko-KR" altLang="en-US" smtClean="0"/>
-              <a:t>마스터 제목 스타일 편집</a:t>
-            </a:r>
-            <a:endParaRPr lang="fr-FR"/>
-          </a:p>
-        </p:txBody>
-      </p:sp>
-      <p:sp>
-        <p:nvSpPr>
-          <p:cNvPr id="3" name="Espace réservé du contenu 2"/>
-          <p:cNvSpPr>
-            <a:spLocks noGrp="1"/>
-          </p:cNvSpPr>
-          <p:nvPr>
-            <p:ph idx="1"/>
-          </p:nvPr>
-        </p:nvSpPr>
         <p:spPr>
           <a:xfrm>
-            <a:off x="628650" y="1825625"/>
-            <a:ext cx="7886700" cy="4351338"/>
+            <a:off x="628650" y="360000"/>
+            <a:ext cx="7886700" cy="1006787"/>
+          </a:xfrm>
+        </p:spPr>
+        <p:txBody>
+          <a:bodyPr/>
+          <a:lstStyle/>
+          <a:p>
+            <a:r>
+              <a:rPr lang="ko-KR" altLang="en-US" smtClean="0"/>
+              <a:t>마스터 제목 스타일 편집</a:t>
+            </a:r>
+            <a:endParaRPr lang="fr-FR"/>
+          </a:p>
+        </p:txBody>
+      </p:sp>
+      <p:sp>
+        <p:nvSpPr>
+          <p:cNvPr id="3" name="Espace réservé du contenu 2"/>
+          <p:cNvSpPr>
+            <a:spLocks noGrp="1"/>
+          </p:cNvSpPr>
+          <p:nvPr>
+            <p:ph idx="1"/>
+          </p:nvPr>
+        </p:nvSpPr>
+        <p:spPr>
+          <a:xfrm>
+            <a:off x="628650" y="1443790"/>
+            <a:ext cx="7886700" cy="4733174"/>
           </a:xfrm>
         </p:spPr>
         <p:txBody>
@@ -1189,7 +1812,7 @@
             <a:fld id="{CE3110EA-6548-4EF6-B0A9-8F847AEECEDD}" type="datetimeFigureOut">
               <a:rPr lang="fr-FR" smtClean="0"/>
               <a:pPr/>
-              <a:t>26/11/2015</a:t>
+              <a:t>15/03/2016</a:t>
             </a:fld>
             <a:endParaRPr lang="fr-FR"/>
           </a:p>
@@ -1205,7 +1828,12 @@
             <p:ph type="ftr" sz="quarter" idx="11"/>
           </p:nvPr>
         </p:nvSpPr>
-        <p:spPr/>
+        <p:spPr>
+          <a:xfrm>
+            <a:off x="628650" y="6356351"/>
+            <a:ext cx="7886700" cy="365125"/>
+          </a:xfrm>
+        </p:spPr>
         <p:txBody>
           <a:bodyPr/>
           <a:lstStyle/>
@@ -1444,7 +2072,7 @@
             <a:fld id="{CE3110EA-6548-4EF6-B0A9-8F847AEECEDD}" type="datetimeFigureOut">
               <a:rPr lang="fr-FR" smtClean="0"/>
               <a:pPr/>
-              <a:t>26/11/2015</a:t>
+              <a:t>15/03/2016</a:t>
             </a:fld>
             <a:endParaRPr lang="fr-FR"/>
           </a:p>
@@ -1685,7 +2313,7 @@
             <a:fld id="{CE3110EA-6548-4EF6-B0A9-8F847AEECEDD}" type="datetimeFigureOut">
               <a:rPr lang="fr-FR" smtClean="0"/>
               <a:pPr/>
-              <a:t>26/11/2015</a:t>
+              <a:t>15/03/2016</a:t>
             </a:fld>
             <a:endParaRPr lang="fr-FR"/>
           </a:p>
@@ -1755,6 +2383,592 @@
 </file>
 
 <file path=ppt/slideLayouts/slideLayout6.xml><?xml version="1.0" encoding="utf-8"?>
+<p:sldLayout xmlns:a="http://schemas.openxmlformats.org/drawingml/2006/main" xmlns:r="http://schemas.openxmlformats.org/officeDocument/2006/relationships" xmlns:p="http://schemas.openxmlformats.org/presentationml/2006/main" type="twoObj" preserve="1">
+  <p:cSld name="Two Content2">
+    <p:spTree>
+      <p:nvGrpSpPr>
+        <p:cNvPr id="1" name=""/>
+        <p:cNvGrpSpPr/>
+        <p:nvPr/>
+      </p:nvGrpSpPr>
+      <p:grpSpPr>
+        <a:xfrm>
+          <a:off x="0" y="0"/>
+          <a:ext cx="0" cy="0"/>
+          <a:chOff x="0" y="0"/>
+          <a:chExt cx="0" cy="0"/>
+        </a:xfrm>
+      </p:grpSpPr>
+      <p:sp>
+        <p:nvSpPr>
+          <p:cNvPr id="2" name="Titre 1"/>
+          <p:cNvSpPr>
+            <a:spLocks noGrp="1"/>
+          </p:cNvSpPr>
+          <p:nvPr>
+            <p:ph type="title"/>
+          </p:nvPr>
+        </p:nvSpPr>
+        <p:spPr/>
+        <p:txBody>
+          <a:bodyPr/>
+          <a:lstStyle/>
+          <a:p>
+            <a:r>
+              <a:rPr lang="ko-KR" altLang="en-US" smtClean="0"/>
+              <a:t>마스터 제목 스타일 편집</a:t>
+            </a:r>
+            <a:endParaRPr lang="fr-FR"/>
+          </a:p>
+        </p:txBody>
+      </p:sp>
+      <p:sp>
+        <p:nvSpPr>
+          <p:cNvPr id="3" name="Espace réservé du contenu 2"/>
+          <p:cNvSpPr>
+            <a:spLocks noGrp="1"/>
+          </p:cNvSpPr>
+          <p:nvPr>
+            <p:ph sz="half" idx="1"/>
+          </p:nvPr>
+        </p:nvSpPr>
+        <p:spPr>
+          <a:xfrm>
+            <a:off x="628650" y="1825625"/>
+            <a:ext cx="3886200" cy="4351338"/>
+          </a:xfrm>
+        </p:spPr>
+        <p:txBody>
+          <a:bodyPr/>
+          <a:lstStyle>
+            <a:lvl1pPr marL="0" indent="0">
+              <a:buFontTx/>
+              <a:buNone/>
+              <a:defRPr/>
+            </a:lvl1pPr>
+            <a:lvl2pPr marL="342900" indent="0">
+              <a:buFontTx/>
+              <a:buNone/>
+              <a:defRPr/>
+            </a:lvl2pPr>
+            <a:lvl3pPr marL="685800" indent="0">
+              <a:buFontTx/>
+              <a:buNone/>
+              <a:defRPr/>
+            </a:lvl3pPr>
+            <a:lvl4pPr marL="1028700" indent="0">
+              <a:buFontTx/>
+              <a:buNone/>
+              <a:defRPr/>
+            </a:lvl4pPr>
+            <a:lvl5pPr marL="1371600" indent="0">
+              <a:buFontTx/>
+              <a:buNone/>
+              <a:defRPr/>
+            </a:lvl5pPr>
+          </a:lstStyle>
+          <a:p>
+            <a:pPr lvl="0"/>
+            <a:r>
+              <a:rPr lang="ko-KR" altLang="en-US" dirty="0" smtClean="0"/>
+              <a:t>마스터 텍스트 스타일을 편집하려면 클릭</a:t>
+            </a:r>
+          </a:p>
+          <a:p>
+            <a:pPr lvl="1"/>
+            <a:r>
+              <a:rPr lang="ko-KR" altLang="en-US" dirty="0" smtClean="0"/>
+              <a:t>두 번째 수준</a:t>
+            </a:r>
+          </a:p>
+          <a:p>
+            <a:pPr lvl="2"/>
+            <a:r>
+              <a:rPr lang="ko-KR" altLang="en-US" dirty="0" smtClean="0"/>
+              <a:t>세 번째 수준</a:t>
+            </a:r>
+          </a:p>
+          <a:p>
+            <a:pPr lvl="3"/>
+            <a:r>
+              <a:rPr lang="ko-KR" altLang="en-US" dirty="0" smtClean="0"/>
+              <a:t>네 번째 수준</a:t>
+            </a:r>
+          </a:p>
+          <a:p>
+            <a:pPr lvl="4"/>
+            <a:r>
+              <a:rPr lang="ko-KR" altLang="en-US" dirty="0" smtClean="0"/>
+              <a:t>다섯 번째 수준</a:t>
+            </a:r>
+            <a:endParaRPr lang="fr-FR" dirty="0"/>
+          </a:p>
+        </p:txBody>
+      </p:sp>
+      <p:sp>
+        <p:nvSpPr>
+          <p:cNvPr id="4" name="Espace réservé du contenu 3"/>
+          <p:cNvSpPr>
+            <a:spLocks noGrp="1"/>
+          </p:cNvSpPr>
+          <p:nvPr>
+            <p:ph sz="half" idx="2"/>
+          </p:nvPr>
+        </p:nvSpPr>
+        <p:spPr>
+          <a:xfrm>
+            <a:off x="4629150" y="1825625"/>
+            <a:ext cx="3886200" cy="4351338"/>
+          </a:xfrm>
+        </p:spPr>
+        <p:txBody>
+          <a:bodyPr/>
+          <a:lstStyle>
+            <a:lvl1pPr marL="0" indent="0">
+              <a:buFontTx/>
+              <a:buNone/>
+              <a:defRPr/>
+            </a:lvl1pPr>
+            <a:lvl2pPr marL="342900" indent="0">
+              <a:buFontTx/>
+              <a:buNone/>
+              <a:defRPr/>
+            </a:lvl2pPr>
+            <a:lvl3pPr marL="685800" indent="0">
+              <a:buFontTx/>
+              <a:buNone/>
+              <a:defRPr/>
+            </a:lvl3pPr>
+            <a:lvl4pPr marL="1028700" indent="0">
+              <a:buFontTx/>
+              <a:buNone/>
+              <a:defRPr/>
+            </a:lvl4pPr>
+            <a:lvl5pPr marL="1371600" indent="0">
+              <a:buFontTx/>
+              <a:buNone/>
+              <a:defRPr/>
+            </a:lvl5pPr>
+          </a:lstStyle>
+          <a:p>
+            <a:pPr lvl="0"/>
+            <a:r>
+              <a:rPr lang="ko-KR" altLang="en-US" smtClean="0"/>
+              <a:t>마스터 텍스트 스타일을 편집하려면 클릭</a:t>
+            </a:r>
+          </a:p>
+          <a:p>
+            <a:pPr lvl="1"/>
+            <a:r>
+              <a:rPr lang="ko-KR" altLang="en-US" smtClean="0"/>
+              <a:t>두 번째 수준</a:t>
+            </a:r>
+          </a:p>
+          <a:p>
+            <a:pPr lvl="2"/>
+            <a:r>
+              <a:rPr lang="ko-KR" altLang="en-US" smtClean="0"/>
+              <a:t>세 번째 수준</a:t>
+            </a:r>
+          </a:p>
+          <a:p>
+            <a:pPr lvl="3"/>
+            <a:r>
+              <a:rPr lang="ko-KR" altLang="en-US" smtClean="0"/>
+              <a:t>네 번째 수준</a:t>
+            </a:r>
+          </a:p>
+          <a:p>
+            <a:pPr lvl="4"/>
+            <a:r>
+              <a:rPr lang="ko-KR" altLang="en-US" smtClean="0"/>
+              <a:t>다섯 번째 수준</a:t>
+            </a:r>
+            <a:endParaRPr lang="fr-FR"/>
+          </a:p>
+        </p:txBody>
+      </p:sp>
+      <p:sp>
+        <p:nvSpPr>
+          <p:cNvPr id="5" name="Espace réservé de la date 4"/>
+          <p:cNvSpPr>
+            <a:spLocks noGrp="1"/>
+          </p:cNvSpPr>
+          <p:nvPr>
+            <p:ph type="dt" sz="half" idx="10"/>
+          </p:nvPr>
+        </p:nvSpPr>
+        <p:spPr/>
+        <p:txBody>
+          <a:bodyPr/>
+          <a:lstStyle/>
+          <a:p>
+            <a:fld id="{CE3110EA-6548-4EF6-B0A9-8F847AEECEDD}" type="datetimeFigureOut">
+              <a:rPr lang="fr-FR" smtClean="0"/>
+              <a:pPr/>
+              <a:t>15/03/2016</a:t>
+            </a:fld>
+            <a:endParaRPr lang="fr-FR"/>
+          </a:p>
+        </p:txBody>
+      </p:sp>
+      <p:sp>
+        <p:nvSpPr>
+          <p:cNvPr id="7" name="Espace réservé du numéro de diapositive 6"/>
+          <p:cNvSpPr>
+            <a:spLocks noGrp="1"/>
+          </p:cNvSpPr>
+          <p:nvPr>
+            <p:ph type="sldNum" sz="quarter" idx="12"/>
+          </p:nvPr>
+        </p:nvSpPr>
+        <p:spPr/>
+        <p:txBody>
+          <a:bodyPr/>
+          <a:lstStyle/>
+          <a:p>
+            <a:fld id="{C47AABF0-D73A-43C1-84CC-8A30B6535388}" type="slidenum">
+              <a:rPr lang="fr-FR" smtClean="0"/>
+              <a:pPr/>
+              <a:t>‹#›</a:t>
+            </a:fld>
+            <a:endParaRPr lang="fr-FR"/>
+          </a:p>
+        </p:txBody>
+      </p:sp>
+      <p:sp>
+        <p:nvSpPr>
+          <p:cNvPr id="6" name="Espace réservé du pied de page 5"/>
+          <p:cNvSpPr>
+            <a:spLocks noGrp="1"/>
+          </p:cNvSpPr>
+          <p:nvPr>
+            <p:ph type="ftr" sz="quarter" idx="13"/>
+          </p:nvPr>
+        </p:nvSpPr>
+        <p:spPr/>
+        <p:txBody>
+          <a:bodyPr/>
+          <a:lstStyle/>
+          <a:p>
+            <a:endParaRPr lang="fr-FR"/>
+          </a:p>
+        </p:txBody>
+      </p:sp>
+    </p:spTree>
+    <p:extLst>
+      <p:ext uri="{BB962C8B-B14F-4D97-AF65-F5344CB8AC3E}">
+        <p14:creationId xmlns:p14="http://schemas.microsoft.com/office/powerpoint/2010/main" val="997848079"/>
+      </p:ext>
+    </p:extLst>
+  </p:cSld>
+  <p:clrMapOvr>
+    <a:masterClrMapping/>
+  </p:clrMapOvr>
+  <p:timing>
+    <p:tnLst>
+      <p:par>
+        <p:cTn id="1" dur="indefinite" restart="never" nodeType="tmRoot"/>
+      </p:par>
+    </p:tnLst>
+  </p:timing>
+</p:sldLayout>
+</file>
+
+<file path=ppt/slideLayouts/slideLayout7.xml><?xml version="1.0" encoding="utf-8"?>
+<p:sldLayout xmlns:a="http://schemas.openxmlformats.org/drawingml/2006/main" xmlns:r="http://schemas.openxmlformats.org/officeDocument/2006/relationships" xmlns:p="http://schemas.openxmlformats.org/presentationml/2006/main" type="twoObj" preserve="1">
+  <p:cSld name="Two Content3">
+    <p:spTree>
+      <p:nvGrpSpPr>
+        <p:cNvPr id="1" name=""/>
+        <p:cNvGrpSpPr/>
+        <p:nvPr/>
+      </p:nvGrpSpPr>
+      <p:grpSpPr>
+        <a:xfrm>
+          <a:off x="0" y="0"/>
+          <a:ext cx="0" cy="0"/>
+          <a:chOff x="0" y="0"/>
+          <a:chExt cx="0" cy="0"/>
+        </a:xfrm>
+      </p:grpSpPr>
+      <p:sp>
+        <p:nvSpPr>
+          <p:cNvPr id="2" name="Titre 1"/>
+          <p:cNvSpPr>
+            <a:spLocks noGrp="1"/>
+          </p:cNvSpPr>
+          <p:nvPr>
+            <p:ph type="title"/>
+          </p:nvPr>
+        </p:nvSpPr>
+        <p:spPr/>
+        <p:txBody>
+          <a:bodyPr/>
+          <a:lstStyle/>
+          <a:p>
+            <a:r>
+              <a:rPr lang="ko-KR" altLang="en-US" smtClean="0"/>
+              <a:t>마스터 제목 스타일 편집</a:t>
+            </a:r>
+            <a:endParaRPr lang="fr-FR"/>
+          </a:p>
+        </p:txBody>
+      </p:sp>
+      <p:sp>
+        <p:nvSpPr>
+          <p:cNvPr id="3" name="Espace réservé du contenu 2"/>
+          <p:cNvSpPr>
+            <a:spLocks noGrp="1"/>
+          </p:cNvSpPr>
+          <p:nvPr>
+            <p:ph sz="half" idx="1"/>
+          </p:nvPr>
+        </p:nvSpPr>
+        <p:spPr>
+          <a:xfrm>
+            <a:off x="628650" y="1825625"/>
+            <a:ext cx="7886700" cy="1331461"/>
+          </a:xfrm>
+        </p:spPr>
+        <p:txBody>
+          <a:bodyPr/>
+          <a:lstStyle>
+            <a:lvl1pPr marL="0" indent="0">
+              <a:buFontTx/>
+              <a:buNone/>
+              <a:defRPr/>
+            </a:lvl1pPr>
+            <a:lvl2pPr marL="342900" indent="0">
+              <a:buFontTx/>
+              <a:buNone/>
+              <a:defRPr/>
+            </a:lvl2pPr>
+            <a:lvl3pPr marL="685800" indent="0">
+              <a:buFontTx/>
+              <a:buNone/>
+              <a:defRPr/>
+            </a:lvl3pPr>
+            <a:lvl4pPr marL="1028700" indent="0">
+              <a:buFontTx/>
+              <a:buNone/>
+              <a:defRPr/>
+            </a:lvl4pPr>
+            <a:lvl5pPr marL="1371600" indent="0">
+              <a:buFontTx/>
+              <a:buNone/>
+              <a:defRPr/>
+            </a:lvl5pPr>
+          </a:lstStyle>
+          <a:p>
+            <a:pPr lvl="0"/>
+            <a:r>
+              <a:rPr lang="ko-KR" altLang="en-US" dirty="0" smtClean="0"/>
+              <a:t>마스터 텍스트 스타일을 편집하려면 클릭</a:t>
+            </a:r>
+          </a:p>
+          <a:p>
+            <a:pPr lvl="1"/>
+            <a:r>
+              <a:rPr lang="ko-KR" altLang="en-US" dirty="0" smtClean="0"/>
+              <a:t>두 번째 수준</a:t>
+            </a:r>
+          </a:p>
+          <a:p>
+            <a:pPr lvl="2"/>
+            <a:r>
+              <a:rPr lang="ko-KR" altLang="en-US" dirty="0" smtClean="0"/>
+              <a:t>세 번째 수준</a:t>
+            </a:r>
+          </a:p>
+          <a:p>
+            <a:pPr lvl="3"/>
+            <a:r>
+              <a:rPr lang="ko-KR" altLang="en-US" dirty="0" smtClean="0"/>
+              <a:t>네 번째 수준</a:t>
+            </a:r>
+          </a:p>
+          <a:p>
+            <a:pPr lvl="4"/>
+            <a:r>
+              <a:rPr lang="ko-KR" altLang="en-US" dirty="0" smtClean="0"/>
+              <a:t>다섯 번째 수준</a:t>
+            </a:r>
+            <a:endParaRPr lang="fr-FR" dirty="0"/>
+          </a:p>
+        </p:txBody>
+      </p:sp>
+      <p:sp>
+        <p:nvSpPr>
+          <p:cNvPr id="4" name="Espace réservé du contenu 3"/>
+          <p:cNvSpPr>
+            <a:spLocks noGrp="1"/>
+          </p:cNvSpPr>
+          <p:nvPr>
+            <p:ph sz="half" idx="2"/>
+          </p:nvPr>
+        </p:nvSpPr>
+        <p:spPr>
+          <a:xfrm>
+            <a:off x="628650" y="3157085"/>
+            <a:ext cx="7886700" cy="3019877"/>
+          </a:xfrm>
+        </p:spPr>
+        <p:txBody>
+          <a:bodyPr/>
+          <a:lstStyle>
+            <a:lvl1pPr marL="0" indent="0">
+              <a:buFontTx/>
+              <a:buNone/>
+              <a:defRPr/>
+            </a:lvl1pPr>
+            <a:lvl2pPr marL="342900" indent="0">
+              <a:buFontTx/>
+              <a:buNone/>
+              <a:defRPr/>
+            </a:lvl2pPr>
+            <a:lvl3pPr marL="685800" indent="0">
+              <a:buFontTx/>
+              <a:buNone/>
+              <a:defRPr/>
+            </a:lvl3pPr>
+            <a:lvl4pPr marL="1028700" indent="0">
+              <a:buFontTx/>
+              <a:buNone/>
+              <a:defRPr/>
+            </a:lvl4pPr>
+            <a:lvl5pPr marL="1371600" indent="0">
+              <a:buFontTx/>
+              <a:buNone/>
+              <a:defRPr/>
+            </a:lvl5pPr>
+          </a:lstStyle>
+          <a:p>
+            <a:pPr lvl="0"/>
+            <a:r>
+              <a:rPr lang="ko-KR" altLang="en-US" smtClean="0"/>
+              <a:t>마스터 텍스트 스타일을 편집하려면 클릭</a:t>
+            </a:r>
+          </a:p>
+          <a:p>
+            <a:pPr lvl="1"/>
+            <a:r>
+              <a:rPr lang="ko-KR" altLang="en-US" smtClean="0"/>
+              <a:t>두 번째 수준</a:t>
+            </a:r>
+          </a:p>
+          <a:p>
+            <a:pPr lvl="2"/>
+            <a:r>
+              <a:rPr lang="ko-KR" altLang="en-US" smtClean="0"/>
+              <a:t>세 번째 수준</a:t>
+            </a:r>
+          </a:p>
+          <a:p>
+            <a:pPr lvl="3"/>
+            <a:r>
+              <a:rPr lang="ko-KR" altLang="en-US" smtClean="0"/>
+              <a:t>네 번째 수준</a:t>
+            </a:r>
+          </a:p>
+          <a:p>
+            <a:pPr lvl="4"/>
+            <a:r>
+              <a:rPr lang="ko-KR" altLang="en-US" smtClean="0"/>
+              <a:t>다섯 번째 수준</a:t>
+            </a:r>
+            <a:endParaRPr lang="fr-FR"/>
+          </a:p>
+        </p:txBody>
+      </p:sp>
+      <p:sp>
+        <p:nvSpPr>
+          <p:cNvPr id="5" name="Espace réservé de la date 4"/>
+          <p:cNvSpPr>
+            <a:spLocks noGrp="1"/>
+          </p:cNvSpPr>
+          <p:nvPr>
+            <p:ph type="dt" sz="half" idx="10"/>
+          </p:nvPr>
+        </p:nvSpPr>
+        <p:spPr/>
+        <p:txBody>
+          <a:bodyPr/>
+          <a:lstStyle/>
+          <a:p>
+            <a:fld id="{CE3110EA-6548-4EF6-B0A9-8F847AEECEDD}" type="datetimeFigureOut">
+              <a:rPr lang="fr-FR" smtClean="0"/>
+              <a:pPr/>
+              <a:t>15/03/2016</a:t>
+            </a:fld>
+            <a:endParaRPr lang="fr-FR"/>
+          </a:p>
+        </p:txBody>
+      </p:sp>
+      <p:sp>
+        <p:nvSpPr>
+          <p:cNvPr id="7" name="Espace réservé du numéro de diapositive 6"/>
+          <p:cNvSpPr>
+            <a:spLocks noGrp="1"/>
+          </p:cNvSpPr>
+          <p:nvPr>
+            <p:ph type="sldNum" sz="quarter" idx="12"/>
+          </p:nvPr>
+        </p:nvSpPr>
+        <p:spPr/>
+        <p:txBody>
+          <a:bodyPr/>
+          <a:lstStyle/>
+          <a:p>
+            <a:fld id="{C47AABF0-D73A-43C1-84CC-8A30B6535388}" type="slidenum">
+              <a:rPr lang="fr-FR" smtClean="0"/>
+              <a:pPr/>
+              <a:t>‹#›</a:t>
+            </a:fld>
+            <a:endParaRPr lang="fr-FR"/>
+          </a:p>
+        </p:txBody>
+      </p:sp>
+      <p:sp>
+        <p:nvSpPr>
+          <p:cNvPr id="6" name="Espace réservé du pied de page 5"/>
+          <p:cNvSpPr>
+            <a:spLocks noGrp="1"/>
+          </p:cNvSpPr>
+          <p:nvPr>
+            <p:ph type="ftr" sz="quarter" idx="13"/>
+          </p:nvPr>
+        </p:nvSpPr>
+        <p:spPr/>
+        <p:txBody>
+          <a:bodyPr/>
+          <a:lstStyle/>
+          <a:p>
+            <a:endParaRPr lang="fr-FR"/>
+          </a:p>
+        </p:txBody>
+      </p:sp>
+    </p:spTree>
+    <p:extLst>
+      <p:ext uri="{BB962C8B-B14F-4D97-AF65-F5344CB8AC3E}">
+        <p14:creationId xmlns:p14="http://schemas.microsoft.com/office/powerpoint/2010/main" val="1033628882"/>
+      </p:ext>
+    </p:extLst>
+  </p:cSld>
+  <p:clrMapOvr>
+    <a:masterClrMapping/>
+  </p:clrMapOvr>
+  <p:timing>
+    <p:tnLst>
+      <p:par>
+        <p:cTn id="1" dur="indefinite" restart="never" nodeType="tmRoot"/>
+      </p:par>
+    </p:tnLst>
+  </p:timing>
+</p:sldLayout>
+</file>
+
+<file path=ppt/slideLayouts/slideLayout8.xml><?xml version="1.0" encoding="utf-8"?>
 <p:sldLayout xmlns:a="http://schemas.openxmlformats.org/drawingml/2006/main" xmlns:r="http://schemas.openxmlformats.org/officeDocument/2006/relationships" xmlns:p="http://schemas.openxmlformats.org/presentationml/2006/main" type="twoTxTwoObj" preserve="1">
   <p:cSld name="Comparison">
     <p:spTree>
@@ -2061,7 +3275,7 @@
             <a:fld id="{CE3110EA-6548-4EF6-B0A9-8F847AEECEDD}" type="datetimeFigureOut">
               <a:rPr lang="fr-FR" smtClean="0"/>
               <a:pPr/>
-              <a:t>26/11/2015</a:t>
+              <a:t>15/03/2016</a:t>
             </a:fld>
             <a:endParaRPr lang="fr-FR"/>
           </a:p>
@@ -2111,7 +3325,7 @@
 </p:sldLayout>
 </file>
 
-<file path=ppt/slideLayouts/slideLayout7.xml><?xml version="1.0" encoding="utf-8"?>
+<file path=ppt/slideLayouts/slideLayout9.xml><?xml version="1.0" encoding="utf-8"?>
 <p:sldLayout xmlns:a="http://schemas.openxmlformats.org/drawingml/2006/main" xmlns:r="http://schemas.openxmlformats.org/officeDocument/2006/relationships" xmlns:p="http://schemas.openxmlformats.org/presentationml/2006/main" type="titleOnly" preserve="1">
   <p:cSld name="Title Only">
     <p:spTree>
@@ -2169,7 +3383,7 @@
             <a:fld id="{CE3110EA-6548-4EF6-B0A9-8F847AEECEDD}" type="datetimeFigureOut">
               <a:rPr lang="fr-FR" smtClean="0"/>
               <a:pPr/>
-              <a:t>26/11/2015</a:t>
+              <a:t>15/03/2016</a:t>
             </a:fld>
             <a:endParaRPr lang="fr-FR"/>
           </a:p>
@@ -2222,504 +3436,6 @@
     <p:extLst>
       <p:ext uri="{BB962C8B-B14F-4D97-AF65-F5344CB8AC3E}">
         <p14:creationId xmlns:p14="http://schemas.microsoft.com/office/powerpoint/2010/main" val="1295583125"/>
-      </p:ext>
-    </p:extLst>
-  </p:cSld>
-  <p:clrMapOvr>
-    <a:masterClrMapping/>
-  </p:clrMapOvr>
-  <p:timing>
-    <p:tnLst>
-      <p:par>
-        <p:cTn id="1" dur="indefinite" restart="never" nodeType="tmRoot"/>
-      </p:par>
-    </p:tnLst>
-  </p:timing>
-</p:sldLayout>
-</file>
-
-<file path=ppt/slideLayouts/slideLayout8.xml><?xml version="1.0" encoding="utf-8"?>
-<p:sldLayout xmlns:a="http://schemas.openxmlformats.org/drawingml/2006/main" xmlns:r="http://schemas.openxmlformats.org/officeDocument/2006/relationships" xmlns:p="http://schemas.openxmlformats.org/presentationml/2006/main" preserve="1" userDrawn="1">
-  <p:cSld name="Content">
-    <p:spTree>
-      <p:nvGrpSpPr>
-        <p:cNvPr id="1" name=""/>
-        <p:cNvGrpSpPr/>
-        <p:nvPr/>
-      </p:nvGrpSpPr>
-      <p:grpSpPr>
-        <a:xfrm>
-          <a:off x="0" y="0"/>
-          <a:ext cx="0" cy="0"/>
-          <a:chOff x="0" y="0"/>
-          <a:chExt cx="0" cy="0"/>
-        </a:xfrm>
-      </p:grpSpPr>
-      <p:sp>
-        <p:nvSpPr>
-          <p:cNvPr id="3" name="Espace réservé de la date 2"/>
-          <p:cNvSpPr>
-            <a:spLocks noGrp="1"/>
-          </p:cNvSpPr>
-          <p:nvPr>
-            <p:ph type="dt" sz="half" idx="10"/>
-          </p:nvPr>
-        </p:nvSpPr>
-        <p:spPr/>
-        <p:txBody>
-          <a:bodyPr/>
-          <a:lstStyle/>
-          <a:p>
-            <a:fld id="{CE3110EA-6548-4EF6-B0A9-8F847AEECEDD}" type="datetimeFigureOut">
-              <a:rPr lang="fr-FR" smtClean="0"/>
-              <a:pPr/>
-              <a:t>26/11/2015</a:t>
-            </a:fld>
-            <a:endParaRPr lang="fr-FR"/>
-          </a:p>
-        </p:txBody>
-      </p:sp>
-      <p:sp>
-        <p:nvSpPr>
-          <p:cNvPr id="4" name="Espace réservé du pied de page 3"/>
-          <p:cNvSpPr>
-            <a:spLocks noGrp="1"/>
-          </p:cNvSpPr>
-          <p:nvPr>
-            <p:ph type="ftr" sz="quarter" idx="11"/>
-          </p:nvPr>
-        </p:nvSpPr>
-        <p:spPr/>
-        <p:txBody>
-          <a:bodyPr/>
-          <a:lstStyle/>
-          <a:p>
-            <a:endParaRPr lang="fr-FR"/>
-          </a:p>
-        </p:txBody>
-      </p:sp>
-      <p:sp>
-        <p:nvSpPr>
-          <p:cNvPr id="5" name="Espace réservé du numéro de diapositive 4"/>
-          <p:cNvSpPr>
-            <a:spLocks noGrp="1"/>
-          </p:cNvSpPr>
-          <p:nvPr>
-            <p:ph type="sldNum" sz="quarter" idx="12"/>
-          </p:nvPr>
-        </p:nvSpPr>
-        <p:spPr/>
-        <p:txBody>
-          <a:bodyPr/>
-          <a:lstStyle/>
-          <a:p>
-            <a:fld id="{C47AABF0-D73A-43C1-84CC-8A30B6535388}" type="slidenum">
-              <a:rPr lang="fr-FR" smtClean="0"/>
-              <a:pPr/>
-              <a:t>‹#›</a:t>
-            </a:fld>
-            <a:endParaRPr lang="fr-FR"/>
-          </a:p>
-        </p:txBody>
-      </p:sp>
-      <p:sp>
-        <p:nvSpPr>
-          <p:cNvPr id="7" name="내용 개체 틀 6"/>
-          <p:cNvSpPr>
-            <a:spLocks noGrp="1"/>
-          </p:cNvSpPr>
-          <p:nvPr>
-            <p:ph sz="quarter" idx="13"/>
-          </p:nvPr>
-        </p:nvSpPr>
-        <p:spPr>
-          <a:xfrm>
-            <a:off x="411956" y="317501"/>
-            <a:ext cx="8387954" cy="5929313"/>
-          </a:xfrm>
-        </p:spPr>
-        <p:txBody>
-          <a:bodyPr/>
-          <a:lstStyle>
-            <a:lvl1pPr marL="0" indent="0">
-              <a:buFontTx/>
-              <a:buNone/>
-              <a:defRPr/>
-            </a:lvl1pPr>
-            <a:lvl2pPr marL="342900" indent="0">
-              <a:buFontTx/>
-              <a:buNone/>
-              <a:defRPr/>
-            </a:lvl2pPr>
-            <a:lvl3pPr marL="685800" indent="0">
-              <a:buFontTx/>
-              <a:buNone/>
-              <a:defRPr/>
-            </a:lvl3pPr>
-            <a:lvl4pPr marL="1028700" indent="0">
-              <a:buFontTx/>
-              <a:buNone/>
-              <a:defRPr/>
-            </a:lvl4pPr>
-            <a:lvl5pPr marL="1371600" indent="0">
-              <a:buFontTx/>
-              <a:buNone/>
-              <a:defRPr/>
-            </a:lvl5pPr>
-          </a:lstStyle>
-          <a:p>
-            <a:pPr lvl="0"/>
-            <a:r>
-              <a:rPr kumimoji="1" lang="ko-KR" altLang="en-US" smtClean="0"/>
-              <a:t>마스터 텍스트 스타일을 편집하려면 클릭</a:t>
-            </a:r>
-          </a:p>
-          <a:p>
-            <a:pPr lvl="1"/>
-            <a:r>
-              <a:rPr kumimoji="1" lang="ko-KR" altLang="en-US" smtClean="0"/>
-              <a:t>두 번째 수준</a:t>
-            </a:r>
-          </a:p>
-          <a:p>
-            <a:pPr lvl="2"/>
-            <a:r>
-              <a:rPr kumimoji="1" lang="ko-KR" altLang="en-US" smtClean="0"/>
-              <a:t>세 번째 수준</a:t>
-            </a:r>
-          </a:p>
-          <a:p>
-            <a:pPr lvl="3"/>
-            <a:r>
-              <a:rPr kumimoji="1" lang="ko-KR" altLang="en-US" smtClean="0"/>
-              <a:t>네 번째 수준</a:t>
-            </a:r>
-          </a:p>
-          <a:p>
-            <a:pPr lvl="4"/>
-            <a:r>
-              <a:rPr kumimoji="1" lang="ko-KR" altLang="en-US" smtClean="0"/>
-              <a:t>다섯 번째 수준</a:t>
-            </a:r>
-            <a:endParaRPr kumimoji="1" lang="ko-KR" altLang="en-US" dirty="0"/>
-          </a:p>
-        </p:txBody>
-      </p:sp>
-    </p:spTree>
-    <p:extLst>
-      <p:ext uri="{BB962C8B-B14F-4D97-AF65-F5344CB8AC3E}">
-        <p14:creationId xmlns:p14="http://schemas.microsoft.com/office/powerpoint/2010/main" val="410471301"/>
-      </p:ext>
-    </p:extLst>
-  </p:cSld>
-  <p:clrMapOvr>
-    <a:masterClrMapping/>
-  </p:clrMapOvr>
-  <p:timing>
-    <p:tnLst>
-      <p:par>
-        <p:cTn id="1" dur="indefinite" restart="never" nodeType="tmRoot"/>
-      </p:par>
-    </p:tnLst>
-  </p:timing>
-</p:sldLayout>
-</file>
-
-<file path=ppt/slideLayouts/slideLayout9.xml><?xml version="1.0" encoding="utf-8"?>
-<p:sldLayout xmlns:a="http://schemas.openxmlformats.org/drawingml/2006/main" xmlns:r="http://schemas.openxmlformats.org/officeDocument/2006/relationships" xmlns:p="http://schemas.openxmlformats.org/presentationml/2006/main" preserve="1" userDrawn="1">
-  <p:cSld name="Four contents">
-    <p:spTree>
-      <p:nvGrpSpPr>
-        <p:cNvPr id="1" name=""/>
-        <p:cNvGrpSpPr/>
-        <p:nvPr/>
-      </p:nvGrpSpPr>
-      <p:grpSpPr>
-        <a:xfrm>
-          <a:off x="0" y="0"/>
-          <a:ext cx="0" cy="0"/>
-          <a:chOff x="0" y="0"/>
-          <a:chExt cx="0" cy="0"/>
-        </a:xfrm>
-      </p:grpSpPr>
-      <p:sp>
-        <p:nvSpPr>
-          <p:cNvPr id="7" name="내용 개체 틀 6"/>
-          <p:cNvSpPr>
-            <a:spLocks noGrp="1"/>
-          </p:cNvSpPr>
-          <p:nvPr>
-            <p:ph sz="quarter" idx="10"/>
-          </p:nvPr>
-        </p:nvSpPr>
-        <p:spPr>
-          <a:xfrm>
-            <a:off x="628650" y="1848186"/>
-            <a:ext cx="3818222" cy="4147673"/>
-          </a:xfrm>
-        </p:spPr>
-        <p:txBody>
-          <a:bodyPr/>
-          <a:lstStyle>
-            <a:lvl1pPr marL="0" indent="0">
-              <a:buFontTx/>
-              <a:buNone/>
-              <a:defRPr/>
-            </a:lvl1pPr>
-            <a:lvl2pPr marL="342900" indent="0">
-              <a:buFontTx/>
-              <a:buNone/>
-              <a:defRPr/>
-            </a:lvl2pPr>
-            <a:lvl3pPr marL="685800" indent="0">
-              <a:buFontTx/>
-              <a:buNone/>
-              <a:defRPr/>
-            </a:lvl3pPr>
-            <a:lvl4pPr marL="1028700" indent="0">
-              <a:buFontTx/>
-              <a:buNone/>
-              <a:defRPr/>
-            </a:lvl4pPr>
-            <a:lvl5pPr marL="1371600" indent="0">
-              <a:buFontTx/>
-              <a:buNone/>
-              <a:defRPr/>
-            </a:lvl5pPr>
-          </a:lstStyle>
-          <a:p>
-            <a:pPr lvl="0"/>
-            <a:r>
-              <a:rPr kumimoji="1" lang="ko-KR" altLang="en-US" smtClean="0"/>
-              <a:t>마스터 텍스트 스타일을 편집하려면 클릭</a:t>
-            </a:r>
-          </a:p>
-          <a:p>
-            <a:pPr lvl="1"/>
-            <a:r>
-              <a:rPr kumimoji="1" lang="ko-KR" altLang="en-US" smtClean="0"/>
-              <a:t>두 번째 수준</a:t>
-            </a:r>
-          </a:p>
-          <a:p>
-            <a:pPr lvl="2"/>
-            <a:r>
-              <a:rPr kumimoji="1" lang="ko-KR" altLang="en-US" smtClean="0"/>
-              <a:t>세 번째 수준</a:t>
-            </a:r>
-          </a:p>
-          <a:p>
-            <a:pPr lvl="3"/>
-            <a:r>
-              <a:rPr kumimoji="1" lang="ko-KR" altLang="en-US" smtClean="0"/>
-              <a:t>네 번째 수준</a:t>
-            </a:r>
-          </a:p>
-          <a:p>
-            <a:pPr lvl="4"/>
-            <a:r>
-              <a:rPr kumimoji="1" lang="ko-KR" altLang="en-US" smtClean="0"/>
-              <a:t>다섯 번째 수준</a:t>
-            </a:r>
-            <a:endParaRPr kumimoji="1" lang="ko-KR" altLang="en-US" dirty="0"/>
-          </a:p>
-        </p:txBody>
-      </p:sp>
-      <p:sp>
-        <p:nvSpPr>
-          <p:cNvPr id="9" name="내용 개체 틀 8"/>
-          <p:cNvSpPr>
-            <a:spLocks noGrp="1"/>
-          </p:cNvSpPr>
-          <p:nvPr>
-            <p:ph sz="quarter" idx="11"/>
-          </p:nvPr>
-        </p:nvSpPr>
-        <p:spPr>
-          <a:xfrm>
-            <a:off x="4721191" y="1848185"/>
-            <a:ext cx="3794159" cy="4148354"/>
-          </a:xfrm>
-        </p:spPr>
-        <p:txBody>
-          <a:bodyPr/>
-          <a:lstStyle>
-            <a:lvl1pPr marL="0" indent="0">
-              <a:buFontTx/>
-              <a:buNone/>
-              <a:defRPr/>
-            </a:lvl1pPr>
-            <a:lvl2pPr marL="342900" indent="0">
-              <a:buFontTx/>
-              <a:buNone/>
-              <a:defRPr/>
-            </a:lvl2pPr>
-            <a:lvl3pPr marL="685800" indent="0">
-              <a:buFontTx/>
-              <a:buNone/>
-              <a:defRPr/>
-            </a:lvl3pPr>
-            <a:lvl4pPr marL="1028700" indent="0">
-              <a:buFontTx/>
-              <a:buNone/>
-              <a:defRPr/>
-            </a:lvl4pPr>
-            <a:lvl5pPr marL="1371600" indent="0">
-              <a:buFontTx/>
-              <a:buNone/>
-              <a:defRPr/>
-            </a:lvl5pPr>
-          </a:lstStyle>
-          <a:p>
-            <a:pPr lvl="0"/>
-            <a:r>
-              <a:rPr kumimoji="1" lang="ko-KR" altLang="en-US" smtClean="0"/>
-              <a:t>마스터 텍스트 스타일을 편집하려면 클릭</a:t>
-            </a:r>
-          </a:p>
-          <a:p>
-            <a:pPr lvl="1"/>
-            <a:r>
-              <a:rPr kumimoji="1" lang="ko-KR" altLang="en-US" smtClean="0"/>
-              <a:t>두 번째 수준</a:t>
-            </a:r>
-          </a:p>
-          <a:p>
-            <a:pPr lvl="2"/>
-            <a:r>
-              <a:rPr kumimoji="1" lang="ko-KR" altLang="en-US" smtClean="0"/>
-              <a:t>세 번째 수준</a:t>
-            </a:r>
-          </a:p>
-          <a:p>
-            <a:pPr lvl="3"/>
-            <a:r>
-              <a:rPr kumimoji="1" lang="ko-KR" altLang="en-US" smtClean="0"/>
-              <a:t>네 번째 수준</a:t>
-            </a:r>
-          </a:p>
-          <a:p>
-            <a:pPr lvl="4"/>
-            <a:r>
-              <a:rPr kumimoji="1" lang="ko-KR" altLang="en-US" smtClean="0"/>
-              <a:t>다섯 번째 수준</a:t>
-            </a:r>
-            <a:endParaRPr kumimoji="1" lang="ko-KR" altLang="en-US" dirty="0"/>
-          </a:p>
-        </p:txBody>
-      </p:sp>
-      <p:sp>
-        <p:nvSpPr>
-          <p:cNvPr id="13" name="내용 개체 틀 12"/>
-          <p:cNvSpPr>
-            <a:spLocks noGrp="1"/>
-          </p:cNvSpPr>
-          <p:nvPr>
-            <p:ph sz="quarter" idx="12"/>
-          </p:nvPr>
-        </p:nvSpPr>
-        <p:spPr>
-          <a:xfrm>
-            <a:off x="628651" y="365126"/>
-            <a:ext cx="3818222" cy="1300163"/>
-          </a:xfrm>
-        </p:spPr>
-        <p:txBody>
-          <a:bodyPr/>
-          <a:lstStyle>
-            <a:lvl1pPr marL="0" indent="0">
-              <a:buFontTx/>
-              <a:buNone/>
-              <a:defRPr/>
-            </a:lvl1pPr>
-            <a:lvl2pPr marL="342900" indent="0">
-              <a:buFontTx/>
-              <a:buNone/>
-              <a:defRPr/>
-            </a:lvl2pPr>
-            <a:lvl3pPr marL="685800" indent="0">
-              <a:buFontTx/>
-              <a:buNone/>
-              <a:defRPr/>
-            </a:lvl3pPr>
-            <a:lvl4pPr marL="1028700" indent="0">
-              <a:buFontTx/>
-              <a:buNone/>
-              <a:defRPr/>
-            </a:lvl4pPr>
-            <a:lvl5pPr marL="1371600" indent="0">
-              <a:buFontTx/>
-              <a:buNone/>
-              <a:defRPr/>
-            </a:lvl5pPr>
-          </a:lstStyle>
-          <a:p>
-            <a:pPr lvl="0"/>
-            <a:r>
-              <a:rPr kumimoji="1" lang="ko-KR" altLang="en-US" smtClean="0"/>
-              <a:t>마스터 텍스트 스타일을 편집하려면 클릭</a:t>
-            </a:r>
-          </a:p>
-        </p:txBody>
-      </p:sp>
-      <p:sp>
-        <p:nvSpPr>
-          <p:cNvPr id="14" name="내용 개체 틀 12"/>
-          <p:cNvSpPr>
-            <a:spLocks noGrp="1"/>
-          </p:cNvSpPr>
-          <p:nvPr>
-            <p:ph sz="quarter" idx="13"/>
-          </p:nvPr>
-        </p:nvSpPr>
-        <p:spPr>
-          <a:xfrm>
-            <a:off x="4721191" y="365126"/>
-            <a:ext cx="3818222" cy="1300163"/>
-          </a:xfrm>
-        </p:spPr>
-        <p:txBody>
-          <a:bodyPr/>
-          <a:lstStyle>
-            <a:lvl1pPr marL="0" indent="0">
-              <a:buFontTx/>
-              <a:buNone/>
-              <a:defRPr/>
-            </a:lvl1pPr>
-            <a:lvl2pPr marL="342900" indent="0">
-              <a:buFontTx/>
-              <a:buNone/>
-              <a:defRPr/>
-            </a:lvl2pPr>
-            <a:lvl3pPr marL="685800" indent="0">
-              <a:buFontTx/>
-              <a:buNone/>
-              <a:defRPr/>
-            </a:lvl3pPr>
-            <a:lvl4pPr marL="1028700" indent="0">
-              <a:buFontTx/>
-              <a:buNone/>
-              <a:defRPr/>
-            </a:lvl4pPr>
-            <a:lvl5pPr marL="1371600" indent="0">
-              <a:buFontTx/>
-              <a:buNone/>
-              <a:defRPr/>
-            </a:lvl5pPr>
-          </a:lstStyle>
-          <a:p>
-            <a:pPr lvl="0"/>
-            <a:r>
-              <a:rPr kumimoji="1" lang="ko-KR" altLang="en-US" smtClean="0"/>
-              <a:t>마스터 텍스트 스타일을 편집하려면 클릭</a:t>
-            </a:r>
-          </a:p>
-        </p:txBody>
-      </p:sp>
-    </p:spTree>
-    <p:extLst>
-      <p:ext uri="{BB962C8B-B14F-4D97-AF65-F5344CB8AC3E}">
-        <p14:creationId xmlns:p14="http://schemas.microsoft.com/office/powerpoint/2010/main" val="10204828"/>
       </p:ext>
     </p:extLst>
   </p:cSld>
@@ -2889,7 +3605,7 @@
             <a:fld id="{CE3110EA-6548-4EF6-B0A9-8F847AEECEDD}" type="datetimeFigureOut">
               <a:rPr lang="fr-FR" smtClean="0"/>
               <a:pPr/>
-              <a:t>26/11/2015</a:t>
+              <a:t>15/03/2016</a:t>
             </a:fld>
             <a:endParaRPr lang="fr-FR"/>
           </a:p>
@@ -2988,12 +3704,15 @@
     <p:sldLayoutId id="2147483662" r:id="rId3"/>
     <p:sldLayoutId id="2147483651" r:id="rId4"/>
     <p:sldLayoutId id="2147483652" r:id="rId5"/>
-    <p:sldLayoutId id="2147483653" r:id="rId6"/>
-    <p:sldLayoutId id="2147483654" r:id="rId7"/>
-    <p:sldLayoutId id="2147483660" r:id="rId8"/>
-    <p:sldLayoutId id="2147483655" r:id="rId9"/>
-    <p:sldLayoutId id="2147483661" r:id="rId10"/>
-    <p:sldLayoutId id="2147483656" r:id="rId11"/>
+    <p:sldLayoutId id="2147483663" r:id="rId6"/>
+    <p:sldLayoutId id="2147483665" r:id="rId7"/>
+    <p:sldLayoutId id="2147483653" r:id="rId8"/>
+    <p:sldLayoutId id="2147483654" r:id="rId9"/>
+    <p:sldLayoutId id="2147483660" r:id="rId10"/>
+    <p:sldLayoutId id="2147483664" r:id="rId11"/>
+    <p:sldLayoutId id="2147483655" r:id="rId12"/>
+    <p:sldLayoutId id="2147483661" r:id="rId13"/>
+    <p:sldLayoutId id="2147483656" r:id="rId14"/>
   </p:sldLayoutIdLst>
   <p:timing>
     <p:tnLst>
